--- a/javabase1Jvm/src/main/java/com/javabase/jvm1runtime/runtimeDetail/10.Class文件结构.pptx
+++ b/javabase1Jvm/src/main/java/com/javabase/jvm1runtime/runtimeDetail/10.Class文件结构.pptx
@@ -21946,7 +21946,7 @@
         </p:nvGraphicFramePr>
         <p:xfrm>
           <a:off x="2213918" y="1197546"/>
-          <a:ext cx="6552728" cy="4958504"/>
+          <a:ext cx="6552565" cy="4957445"/>
         </p:xfrm>
         <a:graphic>
           <a:graphicData uri="http://schemas.openxmlformats.org/drawingml/2006/table">
@@ -22531,7 +22531,7 @@
                   <a:tcPr marL="5769" marR="5769" marT="5769" marB="5769" anchor="ctr"/>
                 </a:tc>
               </a:tr>
-              <a:tr h="374973">
+              <a:tr h="374650">
                 <a:tc>
                   <a:txBody>
                     <a:bodyPr/>
@@ -30862,8 +30862,66 @@
           <a:p>
             <a:pPr lvl="1"/>
             <a:r>
+              <a:rPr lang="en-US" altLang="zh-CN" dirty="0" smtClean="0">
+                <a:solidFill>
+                  <a:srgbClr val="FF0000"/>
+                </a:solidFill>
+              </a:rPr>
+              <a:t>0xCAFEBABE</a:t>
+            </a:r>
+            <a:endParaRPr lang="en-US" altLang="zh-CN" dirty="0" smtClean="0"/>
+          </a:p>
+          <a:p>
+            <a:pPr marL="544830" lvl="1" indent="0">
+              <a:buNone/>
+            </a:pPr>
+            <a:r>
+              <a:rPr lang="zh-CN" altLang="en-US" dirty="0" smtClean="0"/>
+              <a:t>红色字体是一个固定值</a:t>
+            </a:r>
+            <a:endParaRPr lang="zh-CN" altLang="en-US" dirty="0" smtClean="0"/>
+          </a:p>
+          <a:p>
+            <a:pPr marL="544830" lvl="1" indent="0">
+              <a:buNone/>
+            </a:pPr>
+            <a:r>
+              <a:rPr lang="zh-CN" altLang="en-US" dirty="0" smtClean="0"/>
+              <a:t>说明是</a:t>
+            </a:r>
+            <a:r>
               <a:rPr lang="en-US" altLang="zh-CN" dirty="0" smtClean="0"/>
-              <a:t>0xCAFEBABE</a:t>
+              <a:t>class</a:t>
+            </a:r>
+            <a:r>
+              <a:rPr lang="zh-CN" altLang="en-US" dirty="0" smtClean="0"/>
+              <a:t>文件，会被</a:t>
+            </a:r>
+            <a:endParaRPr lang="zh-CN" altLang="en-US" dirty="0" smtClean="0"/>
+          </a:p>
+          <a:p>
+            <a:pPr marL="544830" lvl="1" indent="0">
+              <a:buNone/>
+            </a:pPr>
+            <a:r>
+              <a:rPr lang="zh-CN" altLang="en-US" dirty="0" smtClean="0"/>
+              <a:t>识别 </a:t>
+            </a:r>
+            <a:r>
+              <a:rPr lang="en-US" altLang="zh-CN" dirty="0" smtClean="0"/>
+              <a:t>u4</a:t>
+            </a:r>
+            <a:r>
+              <a:rPr lang="zh-CN" altLang="en-US" dirty="0" smtClean="0"/>
+              <a:t>表示</a:t>
+            </a:r>
+            <a:r>
+              <a:rPr lang="en-US" altLang="zh-CN" dirty="0" smtClean="0"/>
+              <a:t>4byte</a:t>
+            </a:r>
+            <a:r>
+              <a:rPr lang="zh-CN" altLang="en-US" dirty="0" smtClean="0"/>
+              <a:t>大小</a:t>
             </a:r>
             <a:endParaRPr lang="en-US" altLang="zh-CN" dirty="0" smtClean="0"/>
           </a:p>
